--- a/Group Project.pptx
+++ b/Group Project.pptx
@@ -9453,7 +9453,7 @@
             </a:r>
             <a:r>
               <a:rPr lang="en-US" altLang="zh-CN" sz="1800" dirty="0"/>
-              <a:t>Data collection : Five datasets</a:t>
+              <a:t>Data collection : Three Yelp datasets</a:t>
             </a:r>
             <a:r>
               <a:rPr lang="zh-CN" altLang="en-US" sz="1800" dirty="0"/>
@@ -9461,36 +9461,7 @@
             </a:r>
             <a:r>
               <a:rPr lang="en-US" altLang="zh-CN" sz="1800" dirty="0"/>
-              <a:t>downloaded from Yelp</a:t>
-            </a:r>
-          </a:p>
-          <a:p>
-            <a:pPr marL="0" indent="0">
-              <a:buNone/>
-            </a:pPr>
-            <a:r>
-              <a:rPr lang="en-GB" altLang="zh-CN" sz="1800" dirty="0"/>
-              <a:t>      - </a:t>
-            </a:r>
-            <a:r>
-              <a:rPr lang="en-US" altLang="zh-CN" sz="1800" dirty="0"/>
-              <a:t>Dataset description: 188</a:t>
-            </a:r>
-            <a:r>
-              <a:rPr lang="zh-CN" altLang="en-US" sz="1800" dirty="0"/>
-              <a:t>，</a:t>
-            </a:r>
-            <a:r>
-              <a:rPr lang="en-US" altLang="zh-CN" sz="1800" dirty="0"/>
-              <a:t>000</a:t>
-            </a:r>
-            <a:r>
-              <a:rPr lang="zh-CN" altLang="en-US" sz="1800" dirty="0"/>
-              <a:t> </a:t>
-            </a:r>
-            <a:r>
-              <a:rPr lang="en-US" altLang="zh-CN" sz="1800" dirty="0"/>
-              <a:t>restaurants information, user reviews and user data</a:t>
+              <a:t>(188k restaurants info, 152k user info and 5997k reviews)</a:t>
             </a:r>
           </a:p>
           <a:p>
@@ -9501,7 +9472,18 @@
               <a:rPr lang="en-US" altLang="zh-CN" sz="1800" dirty="0">
                 <a:cs typeface="Times New Roman" panose="02020603050405020304" pitchFamily="18" charset="0"/>
               </a:rPr>
-              <a:t>      - Data cleaning :  Keep data of cities in Canada which have more than 500 restaurants from 2015 to 2018</a:t>
+              <a:t>      - Data cleaning : Remove irrelevant  words  from reviews, keep data of cities in Canada which have </a:t>
+            </a:r>
+          </a:p>
+          <a:p>
+            <a:pPr marL="0" indent="0">
+              <a:buNone/>
+            </a:pPr>
+            <a:r>
+              <a:rPr lang="en-US" altLang="zh-CN" sz="1800" dirty="0">
+                <a:cs typeface="Times New Roman" panose="02020603050405020304" pitchFamily="18" charset="0"/>
+              </a:rPr>
+              <a:t>                                     more than 500  restaurants (Year: 2015 – 2018)</a:t>
             </a:r>
           </a:p>
           <a:p>
@@ -10366,24 +10348,140 @@
               <a:buNone/>
             </a:pPr>
             <a:r>
+              <a:rPr lang="zh-CN" altLang="en-US" sz="1800" dirty="0"/>
+              <a:t>      </a:t>
+            </a:r>
+            <a:r>
+              <a:rPr lang="en" altLang="zh-CN" sz="1800" dirty="0"/>
+              <a:t>- ﻿Recommend restaurants to existing users</a:t>
+            </a:r>
+          </a:p>
+          <a:p>
+            <a:pPr marL="0" indent="0">
+              <a:buNone/>
+            </a:pPr>
+            <a:r>
               <a:rPr lang="en" altLang="zh-CN" sz="1800" dirty="0"/>
               <a:t>      - ﻿</a:t>
             </a:r>
             <a:r>
               <a:rPr lang="en-US" altLang="zh-CN" sz="1800" dirty="0"/>
-              <a:t>A</a:t>
-            </a:r>
-            <a:endParaRPr lang="en" altLang="zh-CN" sz="1800" dirty="0"/>
+              <a:t>Approach: </a:t>
+            </a:r>
+            <a:r>
+              <a:rPr lang="en-GB" altLang="zh-CN" sz="1800" dirty="0"/>
+              <a:t>Item - Item Collaborative Filter</a:t>
+            </a:r>
+            <a:r>
+              <a:rPr lang="en-US" altLang="zh-CN" sz="1800" dirty="0"/>
+              <a:t>, </a:t>
+            </a:r>
+            <a:r>
+              <a:rPr lang="en-GB" altLang="zh-CN" sz="1800" dirty="0"/>
+              <a:t>Matrix Factorization-NMF</a:t>
+            </a:r>
+            <a:r>
+              <a:rPr lang="en-US" altLang="zh-CN" sz="1800" dirty="0"/>
+              <a:t>, </a:t>
+            </a:r>
+            <a:r>
+              <a:rPr lang="en-GB" altLang="zh-CN" sz="1800" dirty="0"/>
+              <a:t>Matrix Factorization-SVD</a:t>
+            </a:r>
+            <a:endParaRPr lang="en-US" altLang="zh-CN" sz="1800" dirty="0"/>
           </a:p>
           <a:p>
             <a:pPr marL="0" indent="0">
               <a:buNone/>
             </a:pPr>
             <a:r>
-              <a:rPr lang="en" altLang="zh-CN" sz="1800" dirty="0"/>
-              <a:t>      - ﻿B</a:t>
-            </a:r>
-            <a:endParaRPr lang="en-US" altLang="zh-CN" dirty="0"/>
+              <a:rPr lang="en-US" altLang="zh-CN" sz="1800" dirty="0"/>
+              <a:t>      - Compare the performance</a:t>
+            </a:r>
+          </a:p>
+          <a:p>
+            <a:pPr marL="0" indent="0">
+              <a:buNone/>
+            </a:pPr>
+            <a:r>
+              <a:rPr lang="en-US" altLang="zh-CN" sz="1800" dirty="0"/>
+              <a:t>         1. Select one user randomly </a:t>
+            </a:r>
+          </a:p>
+          <a:p>
+            <a:pPr marL="0" indent="0">
+              <a:buNone/>
+            </a:pPr>
+            <a:r>
+              <a:rPr lang="en-US" altLang="zh-CN" sz="1800" dirty="0"/>
+              <a:t>         2. Provide them with top ten recommendations</a:t>
+            </a:r>
+          </a:p>
+          <a:p>
+            <a:pPr marL="0" indent="0">
+              <a:buNone/>
+            </a:pPr>
+            <a:r>
+              <a:rPr lang="en-US" altLang="zh-CN" sz="1800" dirty="0"/>
+              <a:t>         3. Compare the common categories from user rated restaurants and recommended restaurants</a:t>
+            </a:r>
+          </a:p>
+          <a:p>
+            <a:pPr marL="0" indent="0">
+              <a:buNone/>
+            </a:pPr>
+            <a:r>
+              <a:rPr lang="en-US" altLang="zh-CN" sz="1800" dirty="0"/>
+              <a:t>      - Conclusion</a:t>
+            </a:r>
+          </a:p>
+          <a:p>
+            <a:pPr marL="0" indent="0">
+              <a:buNone/>
+            </a:pPr>
+            <a:r>
+              <a:rPr lang="en-US" altLang="zh-CN" sz="1800" dirty="0"/>
+              <a:t>         </a:t>
+            </a:r>
+            <a:r>
+              <a:rPr lang="da-DK" altLang="zh-CN" sz="1800" dirty="0"/>
+              <a:t>SVD </a:t>
+            </a:r>
+            <a:r>
+              <a:rPr lang="da-DK" altLang="zh-CN" sz="1800" dirty="0" err="1"/>
+              <a:t>recommend</a:t>
+            </a:r>
+            <a:r>
+              <a:rPr lang="da-DK" altLang="zh-CN" sz="1800" dirty="0"/>
+              <a:t> system have the </a:t>
+            </a:r>
+            <a:r>
+              <a:rPr lang="da-DK" altLang="zh-CN" sz="1800" dirty="0" err="1"/>
+              <a:t>best</a:t>
+            </a:r>
+            <a:r>
+              <a:rPr lang="da-DK" altLang="zh-CN" sz="1800" dirty="0"/>
+              <a:t> performance with the fastest </a:t>
+            </a:r>
+            <a:r>
+              <a:rPr lang="da-DK" altLang="zh-CN" sz="1800" dirty="0" err="1"/>
+              <a:t>computational</a:t>
+            </a:r>
+            <a:r>
+              <a:rPr lang="da-DK" altLang="zh-CN" sz="1800" dirty="0"/>
+              <a:t> speed</a:t>
+            </a:r>
+            <a:endParaRPr lang="en-US" altLang="zh-CN" sz="1800" dirty="0"/>
+          </a:p>
+          <a:p>
+            <a:pPr marL="0" indent="0">
+              <a:buNone/>
+            </a:pPr>
+            <a:r>
+              <a:rPr lang="en-US" altLang="zh-CN" sz="1800" dirty="0"/>
+              <a:t>         </a:t>
+            </a:r>
+            <a:endParaRPr lang="en-GB" altLang="zh-CN" sz="1800" dirty="0"/>
           </a:p>
           <a:p>
             <a:pPr marL="457200" lvl="1" indent="0">
@@ -10422,7 +10520,7 @@
               </a:pPr>
               <a:t>7</a:t>
             </a:fld>
-            <a:endParaRPr lang="en-GB">
+            <a:endParaRPr lang="en-GB" dirty="0">
               <a:solidFill>
                 <a:srgbClr val="323D43"/>
               </a:solidFill>
@@ -10495,18 +10593,13 @@
               <a:defRPr/>
             </a:pPr>
             <a:r>
-              <a:rPr lang="en-GB">
+              <a:rPr lang="en-GB" dirty="0">
                 <a:solidFill>
                   <a:srgbClr val="323D43"/>
                 </a:solidFill>
               </a:rPr>
               <a:t>Data Pie</a:t>
             </a:r>
-            <a:endParaRPr lang="en-GB" dirty="0">
-              <a:solidFill>
-                <a:srgbClr val="323D43"/>
-              </a:solidFill>
-            </a:endParaRPr>
           </a:p>
         </p:txBody>
       </p:sp>
@@ -12252,15 +12345,6 @@
 </file>
 
 <file path=customXml/item2.xml><?xml version="1.0" encoding="utf-8"?>
-<?mso-contentType ?>
-<FormTemplates xmlns="http://schemas.microsoft.com/sharepoint/v3/contenttype/forms">
-  <Display>DocumentLibraryForm</Display>
-  <Edit>DocumentLibraryForm</Edit>
-  <New>DocumentLibraryForm</New>
-</FormTemplates>
-</file>
-
-<file path=customXml/item3.xml><?xml version="1.0" encoding="utf-8"?>
 <ct:contentTypeSchema xmlns:ct="http://schemas.microsoft.com/office/2006/metadata/contentType" xmlns:ma="http://schemas.microsoft.com/office/2006/metadata/properties/metaAttributes" ct:_="" ma:_="" ma:contentTypeName="Document" ma:contentTypeID="0x010100DFF817070F72694B9F098175B48548BC" ma:contentTypeVersion="9" ma:contentTypeDescription="Create a new document." ma:contentTypeScope="" ma:versionID="78f13135a436ba82c2b5caa041774ea8">
   <xsd:schema xmlns:xsd="http://www.w3.org/2001/XMLSchema" xmlns:xs="http://www.w3.org/2001/XMLSchema" xmlns:p="http://schemas.microsoft.com/office/2006/metadata/properties" xmlns:ns2="a0cc4301-9474-4587-8b41-90b90b946ee2" xmlns:ns3="090eed4c-c060-43b5-9337-8b16ad4a91e9" targetNamespace="http://schemas.microsoft.com/office/2006/metadata/properties" ma:root="true" ma:fieldsID="492998a318470baed3b527ace95ccf65" ns2:_="" ns3:_="">
     <xsd:import namespace="a0cc4301-9474-4587-8b41-90b90b946ee2"/>
@@ -12451,6 +12535,15 @@
 </ct:contentTypeSchema>
 </file>
 
+<file path=customXml/item3.xml><?xml version="1.0" encoding="utf-8"?>
+<?mso-contentType ?>
+<FormTemplates xmlns="http://schemas.microsoft.com/sharepoint/v3/contenttype/forms">
+  <Display>DocumentLibraryForm</Display>
+  <Edit>DocumentLibraryForm</Edit>
+  <New>DocumentLibraryForm</New>
+</FormTemplates>
+</file>
+
 <file path=customXml/itemProps1.xml><?xml version="1.0" encoding="utf-8"?>
 <ds:datastoreItem xmlns:ds="http://schemas.openxmlformats.org/officeDocument/2006/customXml" ds:itemID="{8085CE61-9316-4638-AADE-AE0A6D850301}">
   <ds:schemaRefs>
@@ -12469,14 +12562,6 @@
 </file>
 
 <file path=customXml/itemProps2.xml><?xml version="1.0" encoding="utf-8"?>
-<ds:datastoreItem xmlns:ds="http://schemas.openxmlformats.org/officeDocument/2006/customXml" ds:itemID="{7DB77E98-EC93-4A37-BD88-B1132857C63B}">
-  <ds:schemaRefs>
-    <ds:schemaRef ds:uri="http://schemas.microsoft.com/sharepoint/v3/contenttype/forms"/>
-  </ds:schemaRefs>
-</ds:datastoreItem>
-</file>
-
-<file path=customXml/itemProps3.xml><?xml version="1.0" encoding="utf-8"?>
 <ds:datastoreItem xmlns:ds="http://schemas.openxmlformats.org/officeDocument/2006/customXml" ds:itemID="{E9FEB67B-472C-4065-BD62-BAFF66E18111}">
   <ds:schemaRefs>
     <ds:schemaRef ds:uri="http://schemas.microsoft.com/office/2006/metadata/contentType"/>
@@ -12493,4 +12578,12 @@
     <ds:schemaRef ds:uri="http://schemas.microsoft.com/internal/obd"/>
   </ds:schemaRefs>
 </ds:datastoreItem>
+</file>
+
+<file path=customXml/itemProps3.xml><?xml version="1.0" encoding="utf-8"?>
+<ds:datastoreItem xmlns:ds="http://schemas.openxmlformats.org/officeDocument/2006/customXml" ds:itemID="{7DB77E98-EC93-4A37-BD88-B1132857C63B}">
+  <ds:schemaRefs>
+    <ds:schemaRef ds:uri="http://schemas.microsoft.com/sharepoint/v3/contenttype/forms"/>
+  </ds:schemaRefs>
+</ds:datastoreItem>
 </file>